--- a/CMPT350 - Pitch Presentation - Jan 25.pptx
+++ b/CMPT350 - Pitch Presentation - Jan 25.pptx
@@ -111,6 +111,11 @@
       </a:defRPr>
     </a:lvl9pPr>
   </p:defaultTextStyle>
+  <p:extLst>
+    <p:ext uri="{EFAFB233-063F-42B5-8137-9DF3F51BA10A}">
+      <p15:sldGuideLst xmlns:p15="http://schemas.microsoft.com/office/powerpoint/2012/main"/>
+    </p:ext>
+  </p:extLst>
 </p:presentation>
 </file>
 
@@ -863,7 +868,7 @@
             <a:fld id="{B61BEF0D-F0BB-DE4B-95CE-6DB70DBA9567}" type="datetimeFigureOut">
               <a:rPr lang="en-US" dirty="0"/>
               <a:pPr/>
-              <a:t>1/24/2017</a:t>
+              <a:t>1/25/2017</a:t>
             </a:fld>
             <a:endParaRPr lang="en-US" dirty="0"/>
           </a:p>
@@ -1111,7 +1116,7 @@
             <a:fld id="{B61BEF0D-F0BB-DE4B-95CE-6DB70DBA9567}" type="datetimeFigureOut">
               <a:rPr lang="en-US" dirty="0"/>
               <a:pPr/>
-              <a:t>1/24/2017</a:t>
+              <a:t>1/25/2017</a:t>
             </a:fld>
             <a:endParaRPr lang="en-US" dirty="0"/>
           </a:p>
@@ -1422,7 +1427,7 @@
             <a:fld id="{B61BEF0D-F0BB-DE4B-95CE-6DB70DBA9567}" type="datetimeFigureOut">
               <a:rPr lang="en-US" dirty="0"/>
               <a:pPr/>
-              <a:t>1/24/2017</a:t>
+              <a:t>1/25/2017</a:t>
             </a:fld>
             <a:endParaRPr lang="en-US" dirty="0"/>
           </a:p>
@@ -1760,7 +1765,7 @@
             <a:fld id="{B61BEF0D-F0BB-DE4B-95CE-6DB70DBA9567}" type="datetimeFigureOut">
               <a:rPr lang="en-US" dirty="0"/>
               <a:pPr/>
-              <a:t>1/24/2017</a:t>
+              <a:t>1/25/2017</a:t>
             </a:fld>
             <a:endParaRPr lang="en-US" dirty="0"/>
           </a:p>
@@ -2071,7 +2076,7 @@
             <a:fld id="{B61BEF0D-F0BB-DE4B-95CE-6DB70DBA9567}" type="datetimeFigureOut">
               <a:rPr lang="en-US" dirty="0"/>
               <a:pPr/>
-              <a:t>1/24/2017</a:t>
+              <a:t>1/25/2017</a:t>
             </a:fld>
             <a:endParaRPr lang="en-US" dirty="0"/>
           </a:p>
@@ -2461,7 +2466,7 @@
             <a:fld id="{B61BEF0D-F0BB-DE4B-95CE-6DB70DBA9567}" type="datetimeFigureOut">
               <a:rPr lang="en-US" dirty="0"/>
               <a:pPr/>
-              <a:t>1/24/2017</a:t>
+              <a:t>1/25/2017</a:t>
             </a:fld>
             <a:endParaRPr lang="en-US" dirty="0"/>
           </a:p>
@@ -2627,7 +2632,7 @@
           <a:p>
             <a:fld id="{55C6B4A9-1611-4792-9094-5F34BCA07E0B}" type="datetimeFigureOut">
               <a:rPr lang="en-US" dirty="0"/>
-              <a:t>1/24/2017</a:t>
+              <a:t>1/25/2017</a:t>
             </a:fld>
             <a:endParaRPr lang="en-US" dirty="0"/>
           </a:p>
@@ -2803,7 +2808,7 @@
             <a:fld id="{B61BEF0D-F0BB-DE4B-95CE-6DB70DBA9567}" type="datetimeFigureOut">
               <a:rPr lang="en-US" dirty="0"/>
               <a:pPr/>
-              <a:t>1/24/2017</a:t>
+              <a:t>1/25/2017</a:t>
             </a:fld>
             <a:endParaRPr lang="en-US" dirty="0"/>
           </a:p>
@@ -2976,7 +2981,7 @@
             <a:fld id="{B61BEF0D-F0BB-DE4B-95CE-6DB70DBA9567}" type="datetimeFigureOut">
               <a:rPr lang="en-US" dirty="0"/>
               <a:pPr/>
-              <a:t>1/24/2017</a:t>
+              <a:t>1/25/2017</a:t>
             </a:fld>
             <a:endParaRPr lang="en-US" dirty="0"/>
           </a:p>
@@ -3220,7 +3225,7 @@
             <a:fld id="{B61BEF0D-F0BB-DE4B-95CE-6DB70DBA9567}" type="datetimeFigureOut">
               <a:rPr lang="en-US" dirty="0"/>
               <a:pPr/>
-              <a:t>1/24/2017</a:t>
+              <a:t>1/25/2017</a:t>
             </a:fld>
             <a:endParaRPr lang="en-US" dirty="0"/>
           </a:p>
@@ -3448,7 +3453,7 @@
           <a:p>
             <a:fld id="{EB712588-04B1-427B-82EE-E8DB90309F08}" type="datetimeFigureOut">
               <a:rPr lang="en-US" dirty="0"/>
-              <a:t>1/24/2017</a:t>
+              <a:t>1/25/2017</a:t>
             </a:fld>
             <a:endParaRPr lang="en-US" dirty="0"/>
           </a:p>
@@ -3818,7 +3823,7 @@
             <a:fld id="{B61BEF0D-F0BB-DE4B-95CE-6DB70DBA9567}" type="datetimeFigureOut">
               <a:rPr lang="en-US" dirty="0"/>
               <a:pPr/>
-              <a:t>1/24/2017</a:t>
+              <a:t>1/25/2017</a:t>
             </a:fld>
             <a:endParaRPr lang="en-US" dirty="0"/>
           </a:p>
@@ -3938,7 +3943,7 @@
             <a:fld id="{B61BEF0D-F0BB-DE4B-95CE-6DB70DBA9567}" type="datetimeFigureOut">
               <a:rPr lang="en-US" dirty="0"/>
               <a:pPr/>
-              <a:t>1/24/2017</a:t>
+              <a:t>1/25/2017</a:t>
             </a:fld>
             <a:endParaRPr lang="en-US" dirty="0"/>
           </a:p>
@@ -4030,7 +4035,7 @@
             <a:fld id="{B61BEF0D-F0BB-DE4B-95CE-6DB70DBA9567}" type="datetimeFigureOut">
               <a:rPr lang="en-US" dirty="0"/>
               <a:pPr/>
-              <a:t>1/24/2017</a:t>
+              <a:t>1/25/2017</a:t>
             </a:fld>
             <a:endParaRPr lang="en-US" dirty="0"/>
           </a:p>
@@ -4281,7 +4286,7 @@
           <a:p>
             <a:fld id="{42A54C80-263E-416B-A8E0-580EDEADCBDC}" type="datetimeFigureOut">
               <a:rPr lang="en-US" dirty="0"/>
-              <a:t>1/24/2017</a:t>
+              <a:t>1/25/2017</a:t>
             </a:fld>
             <a:endParaRPr lang="en-US" dirty="0"/>
           </a:p>
@@ -4540,7 +4545,7 @@
             <a:fld id="{B61BEF0D-F0BB-DE4B-95CE-6DB70DBA9567}" type="datetimeFigureOut">
               <a:rPr lang="en-US" dirty="0"/>
               <a:pPr/>
-              <a:t>1/24/2017</a:t>
+              <a:t>1/25/2017</a:t>
             </a:fld>
             <a:endParaRPr lang="en-US" dirty="0"/>
           </a:p>
@@ -5280,7 +5285,7 @@
             <a:fld id="{B61BEF0D-F0BB-DE4B-95CE-6DB70DBA9567}" type="datetimeFigureOut">
               <a:rPr lang="en-US" dirty="0"/>
               <a:pPr/>
-              <a:t>1/24/2017</a:t>
+              <a:t>1/25/2017</a:t>
             </a:fld>
             <a:endParaRPr lang="en-US" dirty="0"/>
           </a:p>
@@ -5979,25 +5984,29 @@
           </a:p>
         </p:txBody>
       </p:sp>
-      <p:sp>
-        <p:nvSpPr>
-          <p:cNvPr id="3" name="Content Placeholder 2"/>
-          <p:cNvSpPr>
-            <a:spLocks noGrp="1"/>
-          </p:cNvSpPr>
+      <p:pic>
+        <p:nvPicPr>
+          <p:cNvPr id="4" name="Content Placeholder 3"/>
+          <p:cNvPicPr>
+            <a:picLocks noGrp="1" noChangeAspect="1"/>
+          </p:cNvPicPr>
           <p:nvPr>
             <p:ph idx="1"/>
           </p:nvPr>
-        </p:nvSpPr>
-        <p:spPr/>
-        <p:txBody>
-          <a:bodyPr/>
-          <a:lstStyle/>
-          <a:p>
-            <a:endParaRPr lang="en-CA" dirty="0"/>
-          </a:p>
-        </p:txBody>
-      </p:sp>
+        </p:nvPicPr>
+        <p:blipFill>
+          <a:blip r:embed="rId2"/>
+          <a:stretch>
+            <a:fillRect/>
+          </a:stretch>
+        </p:blipFill>
+        <p:spPr>
+          <a:xfrm>
+            <a:off x="173480" y="2488047"/>
+            <a:ext cx="11768875" cy="1888009"/>
+          </a:xfrm>
+        </p:spPr>
+      </p:pic>
     </p:spTree>
     <p:extLst>
       <p:ext uri="{BB962C8B-B14F-4D97-AF65-F5344CB8AC3E}">
@@ -6077,7 +6086,6 @@
               <a:rPr lang="en-CA" sz="2400" dirty="0"/>
               <a:t>Using a large tabular dataset of over 5000 films, with supplemental information from the OMDB API.</a:t>
             </a:r>
-            <a:endParaRPr lang="en-CA" sz="2400" dirty="0"/>
           </a:p>
         </p:txBody>
       </p:sp>
